--- a/Py B - unit 2a.pptx
+++ b/Py B - unit 2a.pptx
@@ -9,13 +9,12 @@
     <p:sldId id="285" r:id="rId3"/>
     <p:sldId id="286" r:id="rId4"/>
     <p:sldId id="287" r:id="rId5"/>
-    <p:sldId id="288" r:id="rId6"/>
-    <p:sldId id="289" r:id="rId7"/>
-    <p:sldId id="290" r:id="rId8"/>
-    <p:sldId id="294" r:id="rId9"/>
-    <p:sldId id="291" r:id="rId10"/>
+    <p:sldId id="295" r:id="rId6"/>
+    <p:sldId id="288" r:id="rId7"/>
+    <p:sldId id="296" r:id="rId8"/>
+    <p:sldId id="291" r:id="rId9"/>
+    <p:sldId id="297" r:id="rId10"/>
     <p:sldId id="292" r:id="rId11"/>
-    <p:sldId id="293" r:id="rId12"/>
   </p:sldIdLst>
   <p:sldSz cx="12192000" cy="6858000"/>
   <p:notesSz cx="6858000" cy="9144000"/>
@@ -120,14 +119,6 @@
     </p:ext>
   </p:extLst>
 </p:presentation>
-</file>
-
-<file path=ppt/revisionInfo.xml><?xml version="1.0" encoding="utf-8"?>
-<p1510:revInfo xmlns:a="http://schemas.openxmlformats.org/drawingml/2006/main" xmlns:r="http://schemas.openxmlformats.org/officeDocument/2006/relationships" xmlns:p1510="http://schemas.microsoft.com/office/powerpoint/2015/10/main">
-  <p1510:revLst>
-    <p1510:client id="{CA1745B2-F4B4-4436-9202-E80D06F6668A}" v="2" dt="2021-09-08T06:17:04.554"/>
-  </p1510:revLst>
-</p1510:revInfo>
 </file>
 
 <file path=ppt/changesInfos/changesInfo1.xml><?xml version="1.0" encoding="utf-8"?>
@@ -319,6 +310,191 @@
     </pc:docChg>
   </pc:docChgLst>
   <pc:docChgLst>
+    <pc:chgData name="Li Lixiang" userId="6104bbfcb56aea79" providerId="LiveId" clId="{3FDD4BF6-6783-4A39-AE51-992956F9868D}"/>
+    <pc:docChg chg="custSel addSld delSld modSld">
+      <pc:chgData name="Li Lixiang" userId="6104bbfcb56aea79" providerId="LiveId" clId="{3FDD4BF6-6783-4A39-AE51-992956F9868D}" dt="2021-10-05T08:12:40.292" v="40" actId="1076"/>
+      <pc:docMkLst>
+        <pc:docMk/>
+      </pc:docMkLst>
+      <pc:sldChg chg="modSp del mod">
+        <pc:chgData name="Li Lixiang" userId="6104bbfcb56aea79" providerId="LiveId" clId="{3FDD4BF6-6783-4A39-AE51-992956F9868D}" dt="2021-10-05T07:49:43.236" v="31" actId="47"/>
+        <pc:sldMkLst>
+          <pc:docMk/>
+          <pc:sldMk cId="2441130311" sldId="289"/>
+        </pc:sldMkLst>
+        <pc:spChg chg="mod">
+          <ac:chgData name="Li Lixiang" userId="6104bbfcb56aea79" providerId="LiveId" clId="{3FDD4BF6-6783-4A39-AE51-992956F9868D}" dt="2021-10-05T07:46:38.159" v="30" actId="20577"/>
+          <ac:spMkLst>
+            <pc:docMk/>
+            <pc:sldMk cId="2441130311" sldId="289"/>
+            <ac:spMk id="15" creationId="{F6E4BC8C-67FE-44C5-8DAE-60B51939EF5A}"/>
+          </ac:spMkLst>
+        </pc:spChg>
+      </pc:sldChg>
+      <pc:sldChg chg="del">
+        <pc:chgData name="Li Lixiang" userId="6104bbfcb56aea79" providerId="LiveId" clId="{3FDD4BF6-6783-4A39-AE51-992956F9868D}" dt="2021-10-05T07:49:53.472" v="33" actId="47"/>
+        <pc:sldMkLst>
+          <pc:docMk/>
+          <pc:sldMk cId="1241975191" sldId="290"/>
+        </pc:sldMkLst>
+      </pc:sldChg>
+      <pc:sldChg chg="del">
+        <pc:chgData name="Li Lixiang" userId="6104bbfcb56aea79" providerId="LiveId" clId="{3FDD4BF6-6783-4A39-AE51-992956F9868D}" dt="2021-10-05T08:04:10.014" v="38" actId="47"/>
+        <pc:sldMkLst>
+          <pc:docMk/>
+          <pc:sldMk cId="1466285209" sldId="293"/>
+        </pc:sldMkLst>
+      </pc:sldChg>
+      <pc:sldChg chg="del">
+        <pc:chgData name="Li Lixiang" userId="6104bbfcb56aea79" providerId="LiveId" clId="{3FDD4BF6-6783-4A39-AE51-992956F9868D}" dt="2021-10-05T07:49:55.466" v="34" actId="47"/>
+        <pc:sldMkLst>
+          <pc:docMk/>
+          <pc:sldMk cId="692569666" sldId="294"/>
+        </pc:sldMkLst>
+      </pc:sldChg>
+      <pc:sldChg chg="addSp delSp modSp new mod">
+        <pc:chgData name="Li Lixiang" userId="6104bbfcb56aea79" providerId="LiveId" clId="{3FDD4BF6-6783-4A39-AE51-992956F9868D}" dt="2021-10-05T07:25:15.880" v="6" actId="1076"/>
+        <pc:sldMkLst>
+          <pc:docMk/>
+          <pc:sldMk cId="2347769449" sldId="295"/>
+        </pc:sldMkLst>
+        <pc:spChg chg="mod">
+          <ac:chgData name="Li Lixiang" userId="6104bbfcb56aea79" providerId="LiveId" clId="{3FDD4BF6-6783-4A39-AE51-992956F9868D}" dt="2021-10-05T07:16:39.263" v="1"/>
+          <ac:spMkLst>
+            <pc:docMk/>
+            <pc:sldMk cId="2347769449" sldId="295"/>
+            <ac:spMk id="2" creationId="{F17A0A55-2959-41DE-9CAB-446B3A2EC23B}"/>
+          </ac:spMkLst>
+        </pc:spChg>
+        <pc:spChg chg="del">
+          <ac:chgData name="Li Lixiang" userId="6104bbfcb56aea79" providerId="LiveId" clId="{3FDD4BF6-6783-4A39-AE51-992956F9868D}" dt="2021-10-05T07:16:43.668" v="2" actId="478"/>
+          <ac:spMkLst>
+            <pc:docMk/>
+            <pc:sldMk cId="2347769449" sldId="295"/>
+            <ac:spMk id="3" creationId="{40E0DD12-507C-44C0-AB39-8FF844CF1F51}"/>
+          </ac:spMkLst>
+        </pc:spChg>
+        <pc:picChg chg="add mod">
+          <ac:chgData name="Li Lixiang" userId="6104bbfcb56aea79" providerId="LiveId" clId="{3FDD4BF6-6783-4A39-AE51-992956F9868D}" dt="2021-10-05T07:20:50.412" v="4" actId="1076"/>
+          <ac:picMkLst>
+            <pc:docMk/>
+            <pc:sldMk cId="2347769449" sldId="295"/>
+            <ac:picMk id="5" creationId="{CD38E992-6167-4E21-B765-3F713CA59162}"/>
+          </ac:picMkLst>
+        </pc:picChg>
+        <pc:picChg chg="add mod">
+          <ac:chgData name="Li Lixiang" userId="6104bbfcb56aea79" providerId="LiveId" clId="{3FDD4BF6-6783-4A39-AE51-992956F9868D}" dt="2021-10-05T07:25:15.880" v="6" actId="1076"/>
+          <ac:picMkLst>
+            <pc:docMk/>
+            <pc:sldMk cId="2347769449" sldId="295"/>
+            <ac:picMk id="7" creationId="{D2EE539B-4AE0-4099-8D7B-93A00A62A8A9}"/>
+          </ac:picMkLst>
+        </pc:picChg>
+      </pc:sldChg>
+      <pc:sldChg chg="addSp delSp modSp new mod">
+        <pc:chgData name="Li Lixiang" userId="6104bbfcb56aea79" providerId="LiveId" clId="{3FDD4BF6-6783-4A39-AE51-992956F9868D}" dt="2021-10-05T07:36:05.186" v="15" actId="1076"/>
+        <pc:sldMkLst>
+          <pc:docMk/>
+          <pc:sldMk cId="1923821541" sldId="296"/>
+        </pc:sldMkLst>
+        <pc:spChg chg="mod">
+          <ac:chgData name="Li Lixiang" userId="6104bbfcb56aea79" providerId="LiveId" clId="{3FDD4BF6-6783-4A39-AE51-992956F9868D}" dt="2021-10-05T07:26:03.194" v="8"/>
+          <ac:spMkLst>
+            <pc:docMk/>
+            <pc:sldMk cId="1923821541" sldId="296"/>
+            <ac:spMk id="2" creationId="{B28439DF-47E4-4D15-96D2-F93590BCB049}"/>
+          </ac:spMkLst>
+        </pc:spChg>
+        <pc:spChg chg="del">
+          <ac:chgData name="Li Lixiang" userId="6104bbfcb56aea79" providerId="LiveId" clId="{3FDD4BF6-6783-4A39-AE51-992956F9868D}" dt="2021-10-05T07:26:36.480" v="9" actId="478"/>
+          <ac:spMkLst>
+            <pc:docMk/>
+            <pc:sldMk cId="1923821541" sldId="296"/>
+            <ac:spMk id="3" creationId="{460A4771-2FEB-46B7-B32F-143A5D80848D}"/>
+          </ac:spMkLst>
+        </pc:spChg>
+        <pc:picChg chg="add del mod">
+          <ac:chgData name="Li Lixiang" userId="6104bbfcb56aea79" providerId="LiveId" clId="{3FDD4BF6-6783-4A39-AE51-992956F9868D}" dt="2021-10-05T07:36:02.363" v="13" actId="478"/>
+          <ac:picMkLst>
+            <pc:docMk/>
+            <pc:sldMk cId="1923821541" sldId="296"/>
+            <ac:picMk id="5" creationId="{A8D7360B-E8E3-4513-9093-CFE8F1AE9253}"/>
+          </ac:picMkLst>
+        </pc:picChg>
+        <pc:picChg chg="add mod">
+          <ac:chgData name="Li Lixiang" userId="6104bbfcb56aea79" providerId="LiveId" clId="{3FDD4BF6-6783-4A39-AE51-992956F9868D}" dt="2021-10-05T07:36:05.186" v="15" actId="1076"/>
+          <ac:picMkLst>
+            <pc:docMk/>
+            <pc:sldMk cId="1923821541" sldId="296"/>
+            <ac:picMk id="7" creationId="{626104B8-E2D1-4686-99E2-77764F53281B}"/>
+          </ac:picMkLst>
+        </pc:picChg>
+      </pc:sldChg>
+      <pc:sldChg chg="addSp delSp modSp new del mod">
+        <pc:chgData name="Li Lixiang" userId="6104bbfcb56aea79" providerId="LiveId" clId="{3FDD4BF6-6783-4A39-AE51-992956F9868D}" dt="2021-10-05T07:49:44.835" v="32" actId="47"/>
+        <pc:sldMkLst>
+          <pc:docMk/>
+          <pc:sldMk cId="1337673820" sldId="297"/>
+        </pc:sldMkLst>
+        <pc:spChg chg="mod">
+          <ac:chgData name="Li Lixiang" userId="6104bbfcb56aea79" providerId="LiveId" clId="{3FDD4BF6-6783-4A39-AE51-992956F9868D}" dt="2021-10-05T07:37:48.179" v="17"/>
+          <ac:spMkLst>
+            <pc:docMk/>
+            <pc:sldMk cId="1337673820" sldId="297"/>
+            <ac:spMk id="2" creationId="{87B31375-DBB1-4A0D-B4DA-BA248AB3DCC6}"/>
+          </ac:spMkLst>
+        </pc:spChg>
+        <pc:spChg chg="del">
+          <ac:chgData name="Li Lixiang" userId="6104bbfcb56aea79" providerId="LiveId" clId="{3FDD4BF6-6783-4A39-AE51-992956F9868D}" dt="2021-10-05T07:37:51.291" v="18" actId="478"/>
+          <ac:spMkLst>
+            <pc:docMk/>
+            <pc:sldMk cId="1337673820" sldId="297"/>
+            <ac:spMk id="3" creationId="{EF934426-4268-4EA5-8722-50F1C2B27AC2}"/>
+          </ac:spMkLst>
+        </pc:spChg>
+        <pc:picChg chg="add mod">
+          <ac:chgData name="Li Lixiang" userId="6104bbfcb56aea79" providerId="LiveId" clId="{3FDD4BF6-6783-4A39-AE51-992956F9868D}" dt="2021-10-05T07:41:52.129" v="21" actId="1076"/>
+          <ac:picMkLst>
+            <pc:docMk/>
+            <pc:sldMk cId="1337673820" sldId="297"/>
+            <ac:picMk id="5" creationId="{6F732DC5-CD3C-4C21-86A2-98BF8477C70C}"/>
+          </ac:picMkLst>
+        </pc:picChg>
+      </pc:sldChg>
+      <pc:sldChg chg="addSp delSp modSp new mod">
+        <pc:chgData name="Li Lixiang" userId="6104bbfcb56aea79" providerId="LiveId" clId="{3FDD4BF6-6783-4A39-AE51-992956F9868D}" dt="2021-10-05T08:12:40.292" v="40" actId="1076"/>
+        <pc:sldMkLst>
+          <pc:docMk/>
+          <pc:sldMk cId="3644478469" sldId="297"/>
+        </pc:sldMkLst>
+        <pc:spChg chg="mod">
+          <ac:chgData name="Li Lixiang" userId="6104bbfcb56aea79" providerId="LiveId" clId="{3FDD4BF6-6783-4A39-AE51-992956F9868D}" dt="2021-10-05T07:52:53.845" v="36"/>
+          <ac:spMkLst>
+            <pc:docMk/>
+            <pc:sldMk cId="3644478469" sldId="297"/>
+            <ac:spMk id="2" creationId="{C1D295C8-C2A7-4ED5-95D1-7DEBF2E0423E}"/>
+          </ac:spMkLst>
+        </pc:spChg>
+        <pc:spChg chg="del">
+          <ac:chgData name="Li Lixiang" userId="6104bbfcb56aea79" providerId="LiveId" clId="{3FDD4BF6-6783-4A39-AE51-992956F9868D}" dt="2021-10-05T07:52:57.382" v="37" actId="478"/>
+          <ac:spMkLst>
+            <pc:docMk/>
+            <pc:sldMk cId="3644478469" sldId="297"/>
+            <ac:spMk id="3" creationId="{46CD2DD2-32CD-49FD-8833-74371BD35BC4}"/>
+          </ac:spMkLst>
+        </pc:spChg>
+        <pc:picChg chg="add mod">
+          <ac:chgData name="Li Lixiang" userId="6104bbfcb56aea79" providerId="LiveId" clId="{3FDD4BF6-6783-4A39-AE51-992956F9868D}" dt="2021-10-05T08:12:40.292" v="40" actId="1076"/>
+          <ac:picMkLst>
+            <pc:docMk/>
+            <pc:sldMk cId="3644478469" sldId="297"/>
+            <ac:picMk id="5" creationId="{A030F1E2-F254-4956-9249-F99FA363BE08}"/>
+          </ac:picMkLst>
+        </pc:picChg>
+      </pc:sldChg>
+    </pc:docChg>
+  </pc:docChgLst>
+  <pc:docChgLst>
     <pc:chgData name="Li Lixiang" userId="6104bbfcb56aea79" providerId="LiveId" clId="{CA1745B2-F4B4-4436-9202-E80D06F6668A}"/>
     <pc:docChg chg="custSel addSld modSld">
       <pc:chgData name="Li Lixiang" userId="6104bbfcb56aea79" providerId="LiveId" clId="{CA1745B2-F4B4-4436-9202-E80D06F6668A}" dt="2021-09-08T06:22:02.971" v="633" actId="1076"/>
@@ -1791,7 +1967,7 @@
             <a:fld id="{B61BEF0D-F0BB-DE4B-95CE-6DB70DBA9567}" type="datetimeFigureOut">
               <a:rPr lang="en-US" dirty="0"/>
               <a:pPr/>
-              <a:t>9/8/2021</a:t>
+              <a:t>10/5/2021</a:t>
             </a:fld>
             <a:endParaRPr lang="en-US" dirty="0"/>
           </a:p>
@@ -2122,7 +2298,7 @@
             <a:fld id="{B61BEF0D-F0BB-DE4B-95CE-6DB70DBA9567}" type="datetimeFigureOut">
               <a:rPr lang="en-US" dirty="0"/>
               <a:pPr/>
-              <a:t>9/8/2021</a:t>
+              <a:t>10/5/2021</a:t>
             </a:fld>
             <a:endParaRPr lang="en-US" dirty="0"/>
           </a:p>
@@ -2397,7 +2573,7 @@
             <a:fld id="{B61BEF0D-F0BB-DE4B-95CE-6DB70DBA9567}" type="datetimeFigureOut">
               <a:rPr lang="en-US" dirty="0"/>
               <a:pPr/>
-              <a:t>9/8/2021</a:t>
+              <a:t>10/5/2021</a:t>
             </a:fld>
             <a:endParaRPr lang="en-US" dirty="0"/>
           </a:p>
@@ -2962,7 +3138,7 @@
             <a:fld id="{B61BEF0D-F0BB-DE4B-95CE-6DB70DBA9567}" type="datetimeFigureOut">
               <a:rPr lang="en-US" dirty="0"/>
               <a:pPr/>
-              <a:t>9/8/2021</a:t>
+              <a:t>10/5/2021</a:t>
             </a:fld>
             <a:endParaRPr lang="en-US" dirty="0"/>
           </a:p>
@@ -3237,7 +3413,7 @@
             <a:fld id="{B61BEF0D-F0BB-DE4B-95CE-6DB70DBA9567}" type="datetimeFigureOut">
               <a:rPr lang="en-US" dirty="0"/>
               <a:pPr/>
-              <a:t>9/8/2021</a:t>
+              <a:t>10/5/2021</a:t>
             </a:fld>
             <a:endParaRPr lang="en-US" dirty="0"/>
           </a:p>
@@ -3796,7 +3972,7 @@
             <a:fld id="{B61BEF0D-F0BB-DE4B-95CE-6DB70DBA9567}" type="datetimeFigureOut">
               <a:rPr lang="en-US" dirty="0"/>
               <a:pPr/>
-              <a:t>9/8/2021</a:t>
+              <a:t>10/5/2021</a:t>
             </a:fld>
             <a:endParaRPr lang="en-US" dirty="0"/>
           </a:p>
@@ -4120,7 +4296,7 @@
             <a:fld id="{B61BEF0D-F0BB-DE4B-95CE-6DB70DBA9567}" type="datetimeFigureOut">
               <a:rPr lang="en-US" dirty="0"/>
               <a:pPr/>
-              <a:t>9/8/2021</a:t>
+              <a:t>10/5/2021</a:t>
             </a:fld>
             <a:endParaRPr lang="en-US" dirty="0"/>
           </a:p>
@@ -4294,7 +4470,7 @@
             <a:fld id="{B61BEF0D-F0BB-DE4B-95CE-6DB70DBA9567}" type="datetimeFigureOut">
               <a:rPr lang="en-US" dirty="0"/>
               <a:pPr/>
-              <a:t>9/8/2021</a:t>
+              <a:t>10/5/2021</a:t>
             </a:fld>
             <a:endParaRPr lang="en-US" dirty="0"/>
           </a:p>
@@ -4529,7 +4705,7 @@
             <a:fld id="{B61BEF0D-F0BB-DE4B-95CE-6DB70DBA9567}" type="datetimeFigureOut">
               <a:rPr lang="en-US" dirty="0"/>
               <a:pPr/>
-              <a:t>9/8/2021</a:t>
+              <a:t>10/5/2021</a:t>
             </a:fld>
             <a:endParaRPr lang="en-US" dirty="0"/>
           </a:p>
@@ -4726,7 +4902,7 @@
             <a:fld id="{B61BEF0D-F0BB-DE4B-95CE-6DB70DBA9567}" type="datetimeFigureOut">
               <a:rPr lang="en-US" dirty="0"/>
               <a:pPr/>
-              <a:t>9/8/2021</a:t>
+              <a:t>10/5/2021</a:t>
             </a:fld>
             <a:endParaRPr lang="en-US" dirty="0"/>
           </a:p>
@@ -4999,7 +5175,7 @@
             <a:fld id="{B61BEF0D-F0BB-DE4B-95CE-6DB70DBA9567}" type="datetimeFigureOut">
               <a:rPr lang="en-US" dirty="0"/>
               <a:pPr/>
-              <a:t>9/8/2021</a:t>
+              <a:t>10/5/2021</a:t>
             </a:fld>
             <a:endParaRPr lang="en-US" dirty="0"/>
           </a:p>
@@ -5262,7 +5438,7 @@
             <a:fld id="{B61BEF0D-F0BB-DE4B-95CE-6DB70DBA9567}" type="datetimeFigureOut">
               <a:rPr lang="en-US" dirty="0"/>
               <a:pPr/>
-              <a:t>9/8/2021</a:t>
+              <a:t>10/5/2021</a:t>
             </a:fld>
             <a:endParaRPr lang="en-US" dirty="0"/>
           </a:p>
@@ -5633,7 +5809,7 @@
             <a:fld id="{B61BEF0D-F0BB-DE4B-95CE-6DB70DBA9567}" type="datetimeFigureOut">
               <a:rPr lang="en-US" dirty="0"/>
               <a:pPr/>
-              <a:t>9/8/2021</a:t>
+              <a:t>10/5/2021</a:t>
             </a:fld>
             <a:endParaRPr lang="en-US" dirty="0"/>
           </a:p>
@@ -5778,7 +5954,7 @@
             <a:fld id="{B61BEF0D-F0BB-DE4B-95CE-6DB70DBA9567}" type="datetimeFigureOut">
               <a:rPr lang="en-US" dirty="0"/>
               <a:pPr/>
-              <a:t>9/8/2021</a:t>
+              <a:t>10/5/2021</a:t>
             </a:fld>
             <a:endParaRPr lang="en-US" dirty="0"/>
           </a:p>
@@ -5900,7 +6076,7 @@
             <a:fld id="{B61BEF0D-F0BB-DE4B-95CE-6DB70DBA9567}" type="datetimeFigureOut">
               <a:rPr lang="en-US" dirty="0"/>
               <a:pPr/>
-              <a:t>9/8/2021</a:t>
+              <a:t>10/5/2021</a:t>
             </a:fld>
             <a:endParaRPr lang="en-US" dirty="0"/>
           </a:p>
@@ -6182,7 +6358,7 @@
             <a:fld id="{B61BEF0D-F0BB-DE4B-95CE-6DB70DBA9567}" type="datetimeFigureOut">
               <a:rPr lang="en-US" dirty="0"/>
               <a:pPr/>
-              <a:t>9/8/2021</a:t>
+              <a:t>10/5/2021</a:t>
             </a:fld>
             <a:endParaRPr lang="en-US" dirty="0"/>
           </a:p>
@@ -6503,7 +6679,7 @@
             <a:fld id="{B61BEF0D-F0BB-DE4B-95CE-6DB70DBA9567}" type="datetimeFigureOut">
               <a:rPr lang="en-US" dirty="0"/>
               <a:pPr/>
-              <a:t>9/8/2021</a:t>
+              <a:t>10/5/2021</a:t>
             </a:fld>
             <a:endParaRPr lang="en-US" dirty="0"/>
           </a:p>
@@ -6714,7 +6890,7 @@
             <a:fld id="{B61BEF0D-F0BB-DE4B-95CE-6DB70DBA9567}" type="datetimeFigureOut">
               <a:rPr lang="en-US" dirty="0"/>
               <a:pPr/>
-              <a:t>9/8/2021</a:t>
+              <a:t>10/5/2021</a:t>
             </a:fld>
             <a:endParaRPr lang="en-US" dirty="0"/>
           </a:p>
@@ -7497,135 +7673,6 @@
 </p:sld>
 </file>
 
-<file path=ppt/slides/slide11.xml><?xml version="1.0" encoding="utf-8"?>
-<p:sld xmlns:a="http://schemas.openxmlformats.org/drawingml/2006/main" xmlns:r="http://schemas.openxmlformats.org/officeDocument/2006/relationships" xmlns:p="http://schemas.openxmlformats.org/presentationml/2006/main">
-  <p:cSld>
-    <p:spTree>
-      <p:nvGrpSpPr>
-        <p:cNvPr id="1" name=""/>
-        <p:cNvGrpSpPr/>
-        <p:nvPr/>
-      </p:nvGrpSpPr>
-      <p:grpSpPr>
-        <a:xfrm>
-          <a:off x="0" y="0"/>
-          <a:ext cx="0" cy="0"/>
-          <a:chOff x="0" y="0"/>
-          <a:chExt cx="0" cy="0"/>
-        </a:xfrm>
-      </p:grpSpPr>
-      <p:sp>
-        <p:nvSpPr>
-          <p:cNvPr id="2" name="Title 1">
-            <a:extLst>
-              <a:ext uri="{FF2B5EF4-FFF2-40B4-BE49-F238E27FC236}">
-                <a16:creationId xmlns:a16="http://schemas.microsoft.com/office/drawing/2014/main" id="{71EFE268-ED58-459E-9A77-F9480181D00F}"/>
-              </a:ext>
-            </a:extLst>
-          </p:cNvPr>
-          <p:cNvSpPr>
-            <a:spLocks noGrp="1"/>
-          </p:cNvSpPr>
-          <p:nvPr>
-            <p:ph type="title"/>
-          </p:nvPr>
-        </p:nvSpPr>
-        <p:spPr/>
-        <p:txBody>
-          <a:bodyPr/>
-          <a:lstStyle/>
-          <a:p>
-            <a:r>
-              <a:rPr lang="en-US" dirty="0"/>
-              <a:t>How value passed in function call</a:t>
-            </a:r>
-            <a:endParaRPr lang="en-MY" dirty="0"/>
-          </a:p>
-        </p:txBody>
-      </p:sp>
-      <p:sp>
-        <p:nvSpPr>
-          <p:cNvPr id="3" name="Content Placeholder 2">
-            <a:extLst>
-              <a:ext uri="{FF2B5EF4-FFF2-40B4-BE49-F238E27FC236}">
-                <a16:creationId xmlns:a16="http://schemas.microsoft.com/office/drawing/2014/main" id="{8F4FCF12-98B7-4059-8206-23321D32FA7E}"/>
-              </a:ext>
-            </a:extLst>
-          </p:cNvPr>
-          <p:cNvSpPr>
-            <a:spLocks noGrp="1"/>
-          </p:cNvSpPr>
-          <p:nvPr>
-            <p:ph idx="1"/>
-          </p:nvPr>
-        </p:nvSpPr>
-        <p:spPr>
-          <a:xfrm>
-            <a:off x="685801" y="2142067"/>
-            <a:ext cx="5925311" cy="3649133"/>
-          </a:xfrm>
-        </p:spPr>
-        <p:txBody>
-          <a:bodyPr anchor="t"/>
-          <a:lstStyle/>
-          <a:p>
-            <a:r>
-              <a:rPr lang="en-US" dirty="0"/>
-              <a:t>Pass by ref:</a:t>
-            </a:r>
-          </a:p>
-          <a:p>
-            <a:r>
-              <a:rPr lang="en-US" dirty="0"/>
-              <a:t>In python parameter passed like assignment, one more name associated with the data value which is the argument name inside the function.</a:t>
-            </a:r>
-            <a:endParaRPr lang="en-MY" dirty="0"/>
-          </a:p>
-        </p:txBody>
-      </p:sp>
-      <p:pic>
-        <p:nvPicPr>
-          <p:cNvPr id="5" name="Picture 4">
-            <a:extLst>
-              <a:ext uri="{FF2B5EF4-FFF2-40B4-BE49-F238E27FC236}">
-                <a16:creationId xmlns:a16="http://schemas.microsoft.com/office/drawing/2014/main" id="{EAA02629-8430-4591-90E9-F5F6DBED5BBE}"/>
-              </a:ext>
-            </a:extLst>
-          </p:cNvPr>
-          <p:cNvPicPr>
-            <a:picLocks noChangeAspect="1"/>
-          </p:cNvPicPr>
-          <p:nvPr/>
-        </p:nvPicPr>
-        <p:blipFill>
-          <a:blip r:embed="rId2"/>
-          <a:stretch>
-            <a:fillRect/>
-          </a:stretch>
-        </p:blipFill>
-        <p:spPr>
-          <a:xfrm>
-            <a:off x="8650042" y="923575"/>
-            <a:ext cx="2762636" cy="5010849"/>
-          </a:xfrm>
-          <a:prstGeom prst="rect">
-            <a:avLst/>
-          </a:prstGeom>
-        </p:spPr>
-      </p:pic>
-    </p:spTree>
-    <p:extLst>
-      <p:ext uri="{BB962C8B-B14F-4D97-AF65-F5344CB8AC3E}">
-        <p14:creationId xmlns:p14="http://schemas.microsoft.com/office/powerpoint/2010/main" val="1466285209"/>
-      </p:ext>
-    </p:extLst>
-  </p:cSld>
-  <p:clrMapOvr>
-    <a:masterClrMapping/>
-  </p:clrMapOvr>
-</p:sld>
-</file>
-
 <file path=ppt/slides/slide2.xml><?xml version="1.0" encoding="utf-8"?>
 <p:sld xmlns:a="http://schemas.openxmlformats.org/drawingml/2006/main" xmlns:r="http://schemas.openxmlformats.org/officeDocument/2006/relationships" xmlns:p="http://schemas.openxmlformats.org/presentationml/2006/main">
   <p:cSld>
@@ -8694,6 +8741,125 @@
           <p:cNvPr id="2" name="Title 1">
             <a:extLst>
               <a:ext uri="{FF2B5EF4-FFF2-40B4-BE49-F238E27FC236}">
+                <a16:creationId xmlns:a16="http://schemas.microsoft.com/office/drawing/2014/main" id="{F17A0A55-2959-41DE-9CAB-446B3A2EC23B}"/>
+              </a:ext>
+            </a:extLst>
+          </p:cNvPr>
+          <p:cNvSpPr>
+            <a:spLocks noGrp="1"/>
+          </p:cNvSpPr>
+          <p:nvPr>
+            <p:ph type="title"/>
+          </p:nvPr>
+        </p:nvSpPr>
+        <p:spPr/>
+        <p:txBody>
+          <a:bodyPr/>
+          <a:lstStyle/>
+          <a:p>
+            <a:r>
+              <a:rPr lang="en-US" dirty="0"/>
+              <a:t>In class practice: what is the result for those code?</a:t>
+            </a:r>
+            <a:endParaRPr lang="en-MY" dirty="0"/>
+          </a:p>
+        </p:txBody>
+      </p:sp>
+      <p:pic>
+        <p:nvPicPr>
+          <p:cNvPr id="5" name="Picture 4">
+            <a:extLst>
+              <a:ext uri="{FF2B5EF4-FFF2-40B4-BE49-F238E27FC236}">
+                <a16:creationId xmlns:a16="http://schemas.microsoft.com/office/drawing/2014/main" id="{CD38E992-6167-4E21-B765-3F713CA59162}"/>
+              </a:ext>
+            </a:extLst>
+          </p:cNvPr>
+          <p:cNvPicPr>
+            <a:picLocks noChangeAspect="1"/>
+          </p:cNvPicPr>
+          <p:nvPr/>
+        </p:nvPicPr>
+        <p:blipFill>
+          <a:blip r:embed="rId2"/>
+          <a:stretch>
+            <a:fillRect/>
+          </a:stretch>
+        </p:blipFill>
+        <p:spPr>
+          <a:xfrm>
+            <a:off x="895321" y="2711010"/>
+            <a:ext cx="2372056" cy="1105054"/>
+          </a:xfrm>
+          <a:prstGeom prst="rect">
+            <a:avLst/>
+          </a:prstGeom>
+        </p:spPr>
+      </p:pic>
+      <p:pic>
+        <p:nvPicPr>
+          <p:cNvPr id="7" name="Picture 6">
+            <a:extLst>
+              <a:ext uri="{FF2B5EF4-FFF2-40B4-BE49-F238E27FC236}">
+                <a16:creationId xmlns:a16="http://schemas.microsoft.com/office/drawing/2014/main" id="{D2EE539B-4AE0-4099-8D7B-93A00A62A8A9}"/>
+              </a:ext>
+            </a:extLst>
+          </p:cNvPr>
+          <p:cNvPicPr>
+            <a:picLocks noChangeAspect="1"/>
+          </p:cNvPicPr>
+          <p:nvPr/>
+        </p:nvPicPr>
+        <p:blipFill>
+          <a:blip r:embed="rId3"/>
+          <a:stretch>
+            <a:fillRect/>
+          </a:stretch>
+        </p:blipFill>
+        <p:spPr>
+          <a:xfrm>
+            <a:off x="5168165" y="2711010"/>
+            <a:ext cx="4486901" cy="1943371"/>
+          </a:xfrm>
+          <a:prstGeom prst="rect">
+            <a:avLst/>
+          </a:prstGeom>
+        </p:spPr>
+      </p:pic>
+    </p:spTree>
+    <p:extLst>
+      <p:ext uri="{BB962C8B-B14F-4D97-AF65-F5344CB8AC3E}">
+        <p14:creationId xmlns:p14="http://schemas.microsoft.com/office/powerpoint/2010/main" val="2347769449"/>
+      </p:ext>
+    </p:extLst>
+  </p:cSld>
+  <p:clrMapOvr>
+    <a:masterClrMapping/>
+  </p:clrMapOvr>
+</p:sld>
+</file>
+
+<file path=ppt/slides/slide6.xml><?xml version="1.0" encoding="utf-8"?>
+<p:sld xmlns:a="http://schemas.openxmlformats.org/drawingml/2006/main" xmlns:r="http://schemas.openxmlformats.org/officeDocument/2006/relationships" xmlns:p="http://schemas.openxmlformats.org/presentationml/2006/main">
+  <p:cSld>
+    <p:spTree>
+      <p:nvGrpSpPr>
+        <p:cNvPr id="1" name=""/>
+        <p:cNvGrpSpPr/>
+        <p:nvPr/>
+      </p:nvGrpSpPr>
+      <p:grpSpPr>
+        <a:xfrm>
+          <a:off x="0" y="0"/>
+          <a:ext cx="0" cy="0"/>
+          <a:chOff x="0" y="0"/>
+          <a:chExt cx="0" cy="0"/>
+        </a:xfrm>
+      </p:grpSpPr>
+      <p:sp>
+        <p:nvSpPr>
+          <p:cNvPr id="2" name="Title 1">
+            <a:extLst>
+              <a:ext uri="{FF2B5EF4-FFF2-40B4-BE49-F238E27FC236}">
                 <a16:creationId xmlns:a16="http://schemas.microsoft.com/office/drawing/2014/main" id="{D947D2DF-FCBF-47C3-9EC9-872096C568C7}"/>
               </a:ext>
             </a:extLst>
@@ -8837,396 +9003,6 @@
 </p:sld>
 </file>
 
-<file path=ppt/slides/slide6.xml><?xml version="1.0" encoding="utf-8"?>
-<p:sld xmlns:a="http://schemas.openxmlformats.org/drawingml/2006/main" xmlns:r="http://schemas.openxmlformats.org/officeDocument/2006/relationships" xmlns:p="http://schemas.openxmlformats.org/presentationml/2006/main">
-  <p:cSld>
-    <p:spTree>
-      <p:nvGrpSpPr>
-        <p:cNvPr id="1" name=""/>
-        <p:cNvGrpSpPr/>
-        <p:nvPr/>
-      </p:nvGrpSpPr>
-      <p:grpSpPr>
-        <a:xfrm>
-          <a:off x="0" y="0"/>
-          <a:ext cx="0" cy="0"/>
-          <a:chOff x="0" y="0"/>
-          <a:chExt cx="0" cy="0"/>
-        </a:xfrm>
-      </p:grpSpPr>
-      <p:sp>
-        <p:nvSpPr>
-          <p:cNvPr id="2" name="Title 1">
-            <a:extLst>
-              <a:ext uri="{FF2B5EF4-FFF2-40B4-BE49-F238E27FC236}">
-                <a16:creationId xmlns:a16="http://schemas.microsoft.com/office/drawing/2014/main" id="{D947D2DF-FCBF-47C3-9EC9-872096C568C7}"/>
-              </a:ext>
-            </a:extLst>
-          </p:cNvPr>
-          <p:cNvSpPr>
-            <a:spLocks noGrp="1"/>
-          </p:cNvSpPr>
-          <p:nvPr>
-            <p:ph type="title"/>
-          </p:nvPr>
-        </p:nvSpPr>
-        <p:spPr>
-          <a:xfrm>
-            <a:off x="685801" y="39148"/>
-            <a:ext cx="10131425" cy="1456267"/>
-          </a:xfrm>
-        </p:spPr>
-        <p:txBody>
-          <a:bodyPr/>
-          <a:lstStyle/>
-          <a:p>
-            <a:r>
-              <a:rPr lang="en-US" dirty="0"/>
-              <a:t>Variable number of arguments</a:t>
-            </a:r>
-            <a:endParaRPr lang="en-MY" dirty="0"/>
-          </a:p>
-        </p:txBody>
-      </p:sp>
-      <p:sp>
-        <p:nvSpPr>
-          <p:cNvPr id="15" name="内容占位符 2">
-            <a:extLst>
-              <a:ext uri="{FF2B5EF4-FFF2-40B4-BE49-F238E27FC236}">
-                <a16:creationId xmlns:a16="http://schemas.microsoft.com/office/drawing/2014/main" id="{F6E4BC8C-67FE-44C5-8DAE-60B51939EF5A}"/>
-              </a:ext>
-            </a:extLst>
-          </p:cNvPr>
-          <p:cNvSpPr>
-            <a:spLocks noGrp="1"/>
-          </p:cNvSpPr>
-          <p:nvPr>
-            <p:ph idx="1"/>
-          </p:nvPr>
-        </p:nvSpPr>
-        <p:spPr>
-          <a:xfrm>
-            <a:off x="769689" y="3276825"/>
-            <a:ext cx="8575479" cy="1456267"/>
-          </a:xfrm>
-        </p:spPr>
-        <p:txBody>
-          <a:bodyPr anchor="t">
-            <a:normAutofit/>
-          </a:bodyPr>
-          <a:lstStyle/>
-          <a:p>
-            <a:r>
-              <a:rPr lang="en-US" dirty="0"/>
-              <a:t>When call the function, all values are packed together list a tuple</a:t>
-            </a:r>
-            <a:r>
-              <a:rPr lang="en-MY" dirty="0"/>
-              <a:t>.</a:t>
-            </a:r>
-          </a:p>
-          <a:p>
-            <a:r>
-              <a:rPr lang="en-MY" dirty="0"/>
-              <a:t>Inside function can take all items and use the value.</a:t>
-            </a:r>
-          </a:p>
-          <a:p>
-            <a:r>
-              <a:rPr lang="en-MY" dirty="0"/>
-              <a:t>Variable number arguments must be the last in position.</a:t>
-            </a:r>
-          </a:p>
-        </p:txBody>
-      </p:sp>
-      <p:pic>
-        <p:nvPicPr>
-          <p:cNvPr id="5" name="Picture 4">
-            <a:extLst>
-              <a:ext uri="{FF2B5EF4-FFF2-40B4-BE49-F238E27FC236}">
-                <a16:creationId xmlns:a16="http://schemas.microsoft.com/office/drawing/2014/main" id="{EFDF630E-68CB-4A46-8E79-60F9E5A5FED3}"/>
-              </a:ext>
-            </a:extLst>
-          </p:cNvPr>
-          <p:cNvPicPr>
-            <a:picLocks noChangeAspect="1"/>
-          </p:cNvPicPr>
-          <p:nvPr/>
-        </p:nvPicPr>
-        <p:blipFill>
-          <a:blip r:embed="rId2"/>
-          <a:stretch>
-            <a:fillRect/>
-          </a:stretch>
-        </p:blipFill>
-        <p:spPr>
-          <a:xfrm>
-            <a:off x="2174179" y="1463879"/>
-            <a:ext cx="2989156" cy="1526377"/>
-          </a:xfrm>
-          <a:prstGeom prst="rect">
-            <a:avLst/>
-          </a:prstGeom>
-        </p:spPr>
-      </p:pic>
-      <p:pic>
-        <p:nvPicPr>
-          <p:cNvPr id="7" name="Picture 6">
-            <a:extLst>
-              <a:ext uri="{FF2B5EF4-FFF2-40B4-BE49-F238E27FC236}">
-                <a16:creationId xmlns:a16="http://schemas.microsoft.com/office/drawing/2014/main" id="{C7BA7886-3913-42EE-9E87-DF561EA2A4B7}"/>
-              </a:ext>
-            </a:extLst>
-          </p:cNvPr>
-          <p:cNvPicPr>
-            <a:picLocks noChangeAspect="1"/>
-          </p:cNvPicPr>
-          <p:nvPr/>
-        </p:nvPicPr>
-        <p:blipFill>
-          <a:blip r:embed="rId3"/>
-          <a:stretch>
-            <a:fillRect/>
-          </a:stretch>
-        </p:blipFill>
-        <p:spPr>
-          <a:xfrm>
-            <a:off x="6740764" y="1463879"/>
-            <a:ext cx="3277057" cy="1400370"/>
-          </a:xfrm>
-          <a:prstGeom prst="rect">
-            <a:avLst/>
-          </a:prstGeom>
-        </p:spPr>
-      </p:pic>
-      <p:sp>
-        <p:nvSpPr>
-          <p:cNvPr id="8" name="Oval 7">
-            <a:extLst>
-              <a:ext uri="{FF2B5EF4-FFF2-40B4-BE49-F238E27FC236}">
-                <a16:creationId xmlns:a16="http://schemas.microsoft.com/office/drawing/2014/main" id="{D0ED21A4-4D06-4279-BD4C-C7C32BA82745}"/>
-              </a:ext>
-            </a:extLst>
-          </p:cNvPr>
-          <p:cNvSpPr/>
-          <p:nvPr/>
-        </p:nvSpPr>
-        <p:spPr>
-          <a:xfrm>
-            <a:off x="4013835" y="2709877"/>
-            <a:ext cx="822960" cy="305779"/>
-          </a:xfrm>
-          <a:prstGeom prst="ellipse">
-            <a:avLst/>
-          </a:prstGeom>
-          <a:noFill/>
-        </p:spPr>
-        <p:style>
-          <a:lnRef idx="2">
-            <a:schemeClr val="accent1">
-              <a:shade val="50000"/>
-            </a:schemeClr>
-          </a:lnRef>
-          <a:fillRef idx="1">
-            <a:schemeClr val="accent1"/>
-          </a:fillRef>
-          <a:effectRef idx="0">
-            <a:schemeClr val="accent1"/>
-          </a:effectRef>
-          <a:fontRef idx="minor">
-            <a:schemeClr val="lt1"/>
-          </a:fontRef>
-        </p:style>
-        <p:txBody>
-          <a:bodyPr rtlCol="0" anchor="ctr"/>
-          <a:lstStyle/>
-          <a:p>
-            <a:pPr algn="ctr"/>
-            <a:endParaRPr lang="en-MY"/>
-          </a:p>
-        </p:txBody>
-      </p:sp>
-      <p:cxnSp>
-        <p:nvCxnSpPr>
-          <p:cNvPr id="10" name="Straight Arrow Connector 9">
-            <a:extLst>
-              <a:ext uri="{FF2B5EF4-FFF2-40B4-BE49-F238E27FC236}">
-                <a16:creationId xmlns:a16="http://schemas.microsoft.com/office/drawing/2014/main" id="{2B9603A3-F1BA-4B98-9A81-6B19DE61CC7F}"/>
-              </a:ext>
-            </a:extLst>
-          </p:cNvPr>
-          <p:cNvCxnSpPr>
-            <a:stCxn id="8" idx="0"/>
-          </p:cNvCxnSpPr>
-          <p:nvPr/>
-        </p:nvCxnSpPr>
-        <p:spPr>
-          <a:xfrm flipH="1" flipV="1">
-            <a:off x="4324350" y="1685925"/>
-            <a:ext cx="100965" cy="1023952"/>
-          </a:xfrm>
-          <a:prstGeom prst="straightConnector1">
-            <a:avLst/>
-          </a:prstGeom>
-          <a:ln>
-            <a:tailEnd type="triangle"/>
-          </a:ln>
-        </p:spPr>
-        <p:style>
-          <a:lnRef idx="1">
-            <a:schemeClr val="accent1"/>
-          </a:lnRef>
-          <a:fillRef idx="0">
-            <a:schemeClr val="accent1"/>
-          </a:fillRef>
-          <a:effectRef idx="0">
-            <a:schemeClr val="accent1"/>
-          </a:effectRef>
-          <a:fontRef idx="minor">
-            <a:schemeClr val="tx1"/>
-          </a:fontRef>
-        </p:style>
-      </p:cxnSp>
-      <p:cxnSp>
-        <p:nvCxnSpPr>
-          <p:cNvPr id="12" name="Straight Arrow Connector 11">
-            <a:extLst>
-              <a:ext uri="{FF2B5EF4-FFF2-40B4-BE49-F238E27FC236}">
-                <a16:creationId xmlns:a16="http://schemas.microsoft.com/office/drawing/2014/main" id="{3FCD62F3-1C48-4A92-AA9B-2A2B8CF913C0}"/>
-              </a:ext>
-            </a:extLst>
-          </p:cNvPr>
-          <p:cNvCxnSpPr/>
-          <p:nvPr/>
-        </p:nvCxnSpPr>
-        <p:spPr>
-          <a:xfrm flipV="1">
-            <a:off x="8435340" y="1685925"/>
-            <a:ext cx="0" cy="950595"/>
-          </a:xfrm>
-          <a:prstGeom prst="straightConnector1">
-            <a:avLst/>
-          </a:prstGeom>
-          <a:ln>
-            <a:tailEnd type="triangle"/>
-          </a:ln>
-        </p:spPr>
-        <p:style>
-          <a:lnRef idx="1">
-            <a:schemeClr val="accent1"/>
-          </a:lnRef>
-          <a:fillRef idx="0">
-            <a:schemeClr val="accent1"/>
-          </a:fillRef>
-          <a:effectRef idx="0">
-            <a:schemeClr val="accent1"/>
-          </a:effectRef>
-          <a:fontRef idx="minor">
-            <a:schemeClr val="tx1"/>
-          </a:fontRef>
-        </p:style>
-      </p:cxnSp>
-      <p:sp>
-        <p:nvSpPr>
-          <p:cNvPr id="14" name="Oval 13">
-            <a:extLst>
-              <a:ext uri="{FF2B5EF4-FFF2-40B4-BE49-F238E27FC236}">
-                <a16:creationId xmlns:a16="http://schemas.microsoft.com/office/drawing/2014/main" id="{18E1D102-76F9-4119-8A5D-5DB15E78094B}"/>
-              </a:ext>
-            </a:extLst>
-          </p:cNvPr>
-          <p:cNvSpPr/>
-          <p:nvPr/>
-        </p:nvSpPr>
-        <p:spPr>
-          <a:xfrm>
-            <a:off x="8608695" y="2602501"/>
-            <a:ext cx="558162" cy="305779"/>
-          </a:xfrm>
-          <a:prstGeom prst="ellipse">
-            <a:avLst/>
-          </a:prstGeom>
-          <a:noFill/>
-        </p:spPr>
-        <p:style>
-          <a:lnRef idx="2">
-            <a:schemeClr val="accent1">
-              <a:shade val="50000"/>
-            </a:schemeClr>
-          </a:lnRef>
-          <a:fillRef idx="1">
-            <a:schemeClr val="accent1"/>
-          </a:fillRef>
-          <a:effectRef idx="0">
-            <a:schemeClr val="accent1"/>
-          </a:effectRef>
-          <a:fontRef idx="minor">
-            <a:schemeClr val="lt1"/>
-          </a:fontRef>
-        </p:style>
-        <p:txBody>
-          <a:bodyPr rtlCol="0" anchor="ctr"/>
-          <a:lstStyle/>
-          <a:p>
-            <a:pPr algn="ctr"/>
-            <a:endParaRPr lang="en-MY"/>
-          </a:p>
-        </p:txBody>
-      </p:sp>
-      <p:cxnSp>
-        <p:nvCxnSpPr>
-          <p:cNvPr id="16" name="Straight Arrow Connector 15">
-            <a:extLst>
-              <a:ext uri="{FF2B5EF4-FFF2-40B4-BE49-F238E27FC236}">
-                <a16:creationId xmlns:a16="http://schemas.microsoft.com/office/drawing/2014/main" id="{482C2795-BDD3-4CB5-AF8E-E25E6F302584}"/>
-              </a:ext>
-            </a:extLst>
-          </p:cNvPr>
-          <p:cNvCxnSpPr>
-            <a:cxnSpLocks/>
-          </p:cNvCxnSpPr>
-          <p:nvPr/>
-        </p:nvCxnSpPr>
-        <p:spPr>
-          <a:xfrm flipV="1">
-            <a:off x="8923020" y="1685925"/>
-            <a:ext cx="422148" cy="916577"/>
-          </a:xfrm>
-          <a:prstGeom prst="straightConnector1">
-            <a:avLst/>
-          </a:prstGeom>
-          <a:ln>
-            <a:tailEnd type="triangle"/>
-          </a:ln>
-        </p:spPr>
-        <p:style>
-          <a:lnRef idx="1">
-            <a:schemeClr val="accent1"/>
-          </a:lnRef>
-          <a:fillRef idx="0">
-            <a:schemeClr val="accent1"/>
-          </a:fillRef>
-          <a:effectRef idx="0">
-            <a:schemeClr val="accent1"/>
-          </a:effectRef>
-          <a:fontRef idx="minor">
-            <a:schemeClr val="tx1"/>
-          </a:fontRef>
-        </p:style>
-      </p:cxnSp>
-    </p:spTree>
-    <p:extLst>
-      <p:ext uri="{BB962C8B-B14F-4D97-AF65-F5344CB8AC3E}">
-        <p14:creationId xmlns:p14="http://schemas.microsoft.com/office/powerpoint/2010/main" val="2441130311"/>
-      </p:ext>
-    </p:extLst>
-  </p:cSld>
-  <p:clrMapOvr>
-    <a:masterClrMapping/>
-  </p:clrMapOvr>
-</p:sld>
-</file>
-
 <file path=ppt/slides/slide7.xml><?xml version="1.0" encoding="utf-8"?>
 <p:sld xmlns:a="http://schemas.openxmlformats.org/drawingml/2006/main" xmlns:r="http://schemas.openxmlformats.org/officeDocument/2006/relationships" xmlns:p="http://schemas.openxmlformats.org/presentationml/2006/main">
   <p:cSld>
@@ -9249,7 +9025,7 @@
           <p:cNvPr id="2" name="Title 1">
             <a:extLst>
               <a:ext uri="{FF2B5EF4-FFF2-40B4-BE49-F238E27FC236}">
-                <a16:creationId xmlns:a16="http://schemas.microsoft.com/office/drawing/2014/main" id="{D947D2DF-FCBF-47C3-9EC9-872096C568C7}"/>
+                <a16:creationId xmlns:a16="http://schemas.microsoft.com/office/drawing/2014/main" id="{B28439DF-47E4-4D15-96D2-F93590BCB049}"/>
               </a:ext>
             </a:extLst>
           </p:cNvPr>
@@ -9260,96 +9036,25 @@
             <p:ph type="title"/>
           </p:nvPr>
         </p:nvSpPr>
-        <p:spPr>
-          <a:xfrm>
-            <a:off x="685801" y="39148"/>
-            <a:ext cx="10131425" cy="1456267"/>
-          </a:xfrm>
-        </p:spPr>
+        <p:spPr/>
         <p:txBody>
           <a:bodyPr/>
           <a:lstStyle/>
           <a:p>
             <a:r>
               <a:rPr lang="en-US" dirty="0"/>
-              <a:t>Variable number of named arguments</a:t>
+              <a:t>In class practice: what is the result for those code?</a:t>
             </a:r>
             <a:endParaRPr lang="en-MY" dirty="0"/>
           </a:p>
         </p:txBody>
       </p:sp>
-      <p:sp>
-        <p:nvSpPr>
-          <p:cNvPr id="15" name="内容占位符 2">
+      <p:pic>
+        <p:nvPicPr>
+          <p:cNvPr id="7" name="Picture 6">
             <a:extLst>
               <a:ext uri="{FF2B5EF4-FFF2-40B4-BE49-F238E27FC236}">
-                <a16:creationId xmlns:a16="http://schemas.microsoft.com/office/drawing/2014/main" id="{F6E4BC8C-67FE-44C5-8DAE-60B51939EF5A}"/>
-              </a:ext>
-            </a:extLst>
-          </p:cNvPr>
-          <p:cNvSpPr>
-            <a:spLocks noGrp="1"/>
-          </p:cNvSpPr>
-          <p:nvPr>
-            <p:ph idx="1"/>
-          </p:nvPr>
-        </p:nvSpPr>
-        <p:spPr>
-          <a:xfrm>
-            <a:off x="769689" y="3276825"/>
-            <a:ext cx="8575479" cy="1984248"/>
-          </a:xfrm>
-        </p:spPr>
-        <p:txBody>
-          <a:bodyPr anchor="t">
-            <a:normAutofit/>
-          </a:bodyPr>
-          <a:lstStyle/>
-          <a:p>
-            <a:r>
-              <a:rPr lang="en-US" dirty="0"/>
-              <a:t>When call the function, all values are packed together like a </a:t>
-            </a:r>
-            <a:r>
-              <a:rPr lang="en-US" dirty="0" err="1"/>
-              <a:t>dict</a:t>
-            </a:r>
-            <a:r>
-              <a:rPr lang="en-MY" dirty="0"/>
-              <a:t>. Keywords are packed as keys, values are packed as values</a:t>
-            </a:r>
-          </a:p>
-          <a:p>
-            <a:r>
-              <a:rPr lang="en-MY" dirty="0"/>
-              <a:t>Inside function can take all items from the </a:t>
-            </a:r>
-            <a:r>
-              <a:rPr lang="en-MY" dirty="0" err="1"/>
-              <a:t>dict</a:t>
-            </a:r>
-            <a:r>
-              <a:rPr lang="en-MY" dirty="0"/>
-              <a:t> and use the key: value pairs.</a:t>
-            </a:r>
-          </a:p>
-          <a:p>
-            <a:r>
-              <a:rPr lang="en-MY" dirty="0"/>
-              <a:t>Variable number arguments must be the last in position.</a:t>
-            </a:r>
-          </a:p>
-          <a:p>
-            <a:endParaRPr lang="en-MY" dirty="0"/>
-          </a:p>
-        </p:txBody>
-      </p:sp>
-      <p:pic>
-        <p:nvPicPr>
-          <p:cNvPr id="4" name="Picture 3">
-            <a:extLst>
-              <a:ext uri="{FF2B5EF4-FFF2-40B4-BE49-F238E27FC236}">
-                <a16:creationId xmlns:a16="http://schemas.microsoft.com/office/drawing/2014/main" id="{C4C1A119-EEF6-4A03-A0E1-9E3623E1FB9E}"/>
+                <a16:creationId xmlns:a16="http://schemas.microsoft.com/office/drawing/2014/main" id="{626104B8-E2D1-4686-99E2-77764F53281B}"/>
               </a:ext>
             </a:extLst>
           </p:cNvPr>
@@ -9366,8 +9071,8 @@
         </p:blipFill>
         <p:spPr>
           <a:xfrm>
-            <a:off x="1374226" y="1596927"/>
-            <a:ext cx="7868748" cy="1000265"/>
+            <a:off x="861714" y="2714469"/>
+            <a:ext cx="4277322" cy="2229161"/>
           </a:xfrm>
           <a:prstGeom prst="rect">
             <a:avLst/>
@@ -9377,7 +9082,7 @@
     </p:spTree>
     <p:extLst>
       <p:ext uri="{BB962C8B-B14F-4D97-AF65-F5344CB8AC3E}">
-        <p14:creationId xmlns:p14="http://schemas.microsoft.com/office/powerpoint/2010/main" val="1241975191"/>
+        <p14:creationId xmlns:p14="http://schemas.microsoft.com/office/powerpoint/2010/main" val="1923821541"/>
       </p:ext>
     </p:extLst>
   </p:cSld>
@@ -9388,185 +9093,6 @@
 </file>
 
 <file path=ppt/slides/slide8.xml><?xml version="1.0" encoding="utf-8"?>
-<p:sld xmlns:a="http://schemas.openxmlformats.org/drawingml/2006/main" xmlns:r="http://schemas.openxmlformats.org/officeDocument/2006/relationships" xmlns:p="http://schemas.openxmlformats.org/presentationml/2006/main">
-  <p:cSld>
-    <p:spTree>
-      <p:nvGrpSpPr>
-        <p:cNvPr id="1" name=""/>
-        <p:cNvGrpSpPr/>
-        <p:nvPr/>
-      </p:nvGrpSpPr>
-      <p:grpSpPr>
-        <a:xfrm>
-          <a:off x="0" y="0"/>
-          <a:ext cx="0" cy="0"/>
-          <a:chOff x="0" y="0"/>
-          <a:chExt cx="0" cy="0"/>
-        </a:xfrm>
-      </p:grpSpPr>
-      <p:sp>
-        <p:nvSpPr>
-          <p:cNvPr id="2" name="Title 1">
-            <a:extLst>
-              <a:ext uri="{FF2B5EF4-FFF2-40B4-BE49-F238E27FC236}">
-                <a16:creationId xmlns:a16="http://schemas.microsoft.com/office/drawing/2014/main" id="{AD009BA9-B9BE-4248-8426-7DC6E216874D}"/>
-              </a:ext>
-            </a:extLst>
-          </p:cNvPr>
-          <p:cNvSpPr>
-            <a:spLocks noGrp="1"/>
-          </p:cNvSpPr>
-          <p:nvPr>
-            <p:ph type="title"/>
-          </p:nvPr>
-        </p:nvSpPr>
-        <p:spPr/>
-        <p:txBody>
-          <a:bodyPr/>
-          <a:lstStyle/>
-          <a:p>
-            <a:r>
-              <a:rPr lang="en-US" dirty="0"/>
-              <a:t>* And ** in function call</a:t>
-            </a:r>
-            <a:endParaRPr lang="en-MY" dirty="0"/>
-          </a:p>
-        </p:txBody>
-      </p:sp>
-      <p:sp>
-        <p:nvSpPr>
-          <p:cNvPr id="4" name="内容占位符 2">
-            <a:extLst>
-              <a:ext uri="{FF2B5EF4-FFF2-40B4-BE49-F238E27FC236}">
-                <a16:creationId xmlns:a16="http://schemas.microsoft.com/office/drawing/2014/main" id="{79CAE4BD-3931-4E57-A03E-1DB1A5FFC6B3}"/>
-              </a:ext>
-            </a:extLst>
-          </p:cNvPr>
-          <p:cNvSpPr>
-            <a:spLocks noGrp="1"/>
-          </p:cNvSpPr>
-          <p:nvPr>
-            <p:ph idx="1"/>
-          </p:nvPr>
-        </p:nvSpPr>
-        <p:spPr>
-          <a:xfrm>
-            <a:off x="794856" y="2572151"/>
-            <a:ext cx="6260285" cy="1984248"/>
-          </a:xfrm>
-        </p:spPr>
-        <p:txBody>
-          <a:bodyPr anchor="t">
-            <a:normAutofit/>
-          </a:bodyPr>
-          <a:lstStyle/>
-          <a:p>
-            <a:r>
-              <a:rPr lang="en-US" dirty="0"/>
-              <a:t>* can be used with list or other </a:t>
-            </a:r>
-            <a:r>
-              <a:rPr lang="en-US" dirty="0" err="1"/>
-              <a:t>iterables</a:t>
-            </a:r>
-            <a:r>
-              <a:rPr lang="en-US" dirty="0"/>
-              <a:t>, to give parameter to variable arguments to a function when doing a function call.</a:t>
-            </a:r>
-          </a:p>
-          <a:p>
-            <a:r>
-              <a:rPr lang="en-US" dirty="0"/>
-              <a:t>** can be used with </a:t>
-            </a:r>
-            <a:r>
-              <a:rPr lang="en-US" dirty="0" err="1"/>
-              <a:t>dict</a:t>
-            </a:r>
-            <a:r>
-              <a:rPr lang="en-US" dirty="0"/>
-              <a:t>, to give parameter to keyword variable arguments when doing a function call.</a:t>
-            </a:r>
-          </a:p>
-          <a:p>
-            <a:endParaRPr lang="en-MY" dirty="0"/>
-          </a:p>
-        </p:txBody>
-      </p:sp>
-      <p:pic>
-        <p:nvPicPr>
-          <p:cNvPr id="6" name="Picture 5">
-            <a:extLst>
-              <a:ext uri="{FF2B5EF4-FFF2-40B4-BE49-F238E27FC236}">
-                <a16:creationId xmlns:a16="http://schemas.microsoft.com/office/drawing/2014/main" id="{0D8D8A97-82EF-4B33-8B3D-B72CB3DFFF24}"/>
-              </a:ext>
-            </a:extLst>
-          </p:cNvPr>
-          <p:cNvPicPr>
-            <a:picLocks noChangeAspect="1"/>
-          </p:cNvPicPr>
-          <p:nvPr/>
-        </p:nvPicPr>
-        <p:blipFill>
-          <a:blip r:embed="rId2"/>
-          <a:stretch>
-            <a:fillRect/>
-          </a:stretch>
-        </p:blipFill>
-        <p:spPr>
-          <a:xfrm>
-            <a:off x="7911217" y="1931643"/>
-            <a:ext cx="3410426" cy="2391109"/>
-          </a:xfrm>
-          <a:prstGeom prst="rect">
-            <a:avLst/>
-          </a:prstGeom>
-        </p:spPr>
-      </p:pic>
-      <p:pic>
-        <p:nvPicPr>
-          <p:cNvPr id="8" name="Picture 7">
-            <a:extLst>
-              <a:ext uri="{FF2B5EF4-FFF2-40B4-BE49-F238E27FC236}">
-                <a16:creationId xmlns:a16="http://schemas.microsoft.com/office/drawing/2014/main" id="{E862C698-F704-421B-B667-0082BAA41C71}"/>
-              </a:ext>
-            </a:extLst>
-          </p:cNvPr>
-          <p:cNvPicPr>
-            <a:picLocks noChangeAspect="1"/>
-          </p:cNvPicPr>
-          <p:nvPr/>
-        </p:nvPicPr>
-        <p:blipFill>
-          <a:blip r:embed="rId3"/>
-          <a:stretch>
-            <a:fillRect/>
-          </a:stretch>
-        </p:blipFill>
-        <p:spPr>
-          <a:xfrm>
-            <a:off x="7911217" y="4710345"/>
-            <a:ext cx="2381582" cy="1009791"/>
-          </a:xfrm>
-          <a:prstGeom prst="rect">
-            <a:avLst/>
-          </a:prstGeom>
-        </p:spPr>
-      </p:pic>
-    </p:spTree>
-    <p:extLst>
-      <p:ext uri="{BB962C8B-B14F-4D97-AF65-F5344CB8AC3E}">
-        <p14:creationId xmlns:p14="http://schemas.microsoft.com/office/powerpoint/2010/main" val="692569666"/>
-      </p:ext>
-    </p:extLst>
-  </p:cSld>
-  <p:clrMapOvr>
-    <a:masterClrMapping/>
-  </p:clrMapOvr>
-</p:sld>
-</file>
-
-<file path=ppt/slides/slide9.xml><?xml version="1.0" encoding="utf-8"?>
 <p:sld xmlns:a="http://schemas.openxmlformats.org/drawingml/2006/main" xmlns:r="http://schemas.openxmlformats.org/officeDocument/2006/relationships" xmlns:p="http://schemas.openxmlformats.org/presentationml/2006/main">
   <p:cSld>
     <p:spTree>
@@ -9832,6 +9358,95 @@
     <p:extLst>
       <p:ext uri="{BB962C8B-B14F-4D97-AF65-F5344CB8AC3E}">
         <p14:creationId xmlns:p14="http://schemas.microsoft.com/office/powerpoint/2010/main" val="926358613"/>
+      </p:ext>
+    </p:extLst>
+  </p:cSld>
+  <p:clrMapOvr>
+    <a:masterClrMapping/>
+  </p:clrMapOvr>
+</p:sld>
+</file>
+
+<file path=ppt/slides/slide9.xml><?xml version="1.0" encoding="utf-8"?>
+<p:sld xmlns:a="http://schemas.openxmlformats.org/drawingml/2006/main" xmlns:r="http://schemas.openxmlformats.org/officeDocument/2006/relationships" xmlns:p="http://schemas.openxmlformats.org/presentationml/2006/main">
+  <p:cSld>
+    <p:spTree>
+      <p:nvGrpSpPr>
+        <p:cNvPr id="1" name=""/>
+        <p:cNvGrpSpPr/>
+        <p:nvPr/>
+      </p:nvGrpSpPr>
+      <p:grpSpPr>
+        <a:xfrm>
+          <a:off x="0" y="0"/>
+          <a:ext cx="0" cy="0"/>
+          <a:chOff x="0" y="0"/>
+          <a:chExt cx="0" cy="0"/>
+        </a:xfrm>
+      </p:grpSpPr>
+      <p:sp>
+        <p:nvSpPr>
+          <p:cNvPr id="2" name="Title 1">
+            <a:extLst>
+              <a:ext uri="{FF2B5EF4-FFF2-40B4-BE49-F238E27FC236}">
+                <a16:creationId xmlns:a16="http://schemas.microsoft.com/office/drawing/2014/main" id="{C1D295C8-C2A7-4ED5-95D1-7DEBF2E0423E}"/>
+              </a:ext>
+            </a:extLst>
+          </p:cNvPr>
+          <p:cNvSpPr>
+            <a:spLocks noGrp="1"/>
+          </p:cNvSpPr>
+          <p:nvPr>
+            <p:ph type="title"/>
+          </p:nvPr>
+        </p:nvSpPr>
+        <p:spPr/>
+        <p:txBody>
+          <a:bodyPr/>
+          <a:lstStyle/>
+          <a:p>
+            <a:r>
+              <a:rPr lang="en-US" dirty="0"/>
+              <a:t>In class practice: what is the result for those code?</a:t>
+            </a:r>
+            <a:endParaRPr lang="en-MY" dirty="0"/>
+          </a:p>
+        </p:txBody>
+      </p:sp>
+      <p:pic>
+        <p:nvPicPr>
+          <p:cNvPr id="5" name="Picture 4">
+            <a:extLst>
+              <a:ext uri="{FF2B5EF4-FFF2-40B4-BE49-F238E27FC236}">
+                <a16:creationId xmlns:a16="http://schemas.microsoft.com/office/drawing/2014/main" id="{A030F1E2-F254-4956-9249-F99FA363BE08}"/>
+              </a:ext>
+            </a:extLst>
+          </p:cNvPr>
+          <p:cNvPicPr>
+            <a:picLocks noChangeAspect="1"/>
+          </p:cNvPicPr>
+          <p:nvPr/>
+        </p:nvPicPr>
+        <p:blipFill>
+          <a:blip r:embed="rId2"/>
+          <a:stretch>
+            <a:fillRect/>
+          </a:stretch>
+        </p:blipFill>
+        <p:spPr>
+          <a:xfrm>
+            <a:off x="2087821" y="2826632"/>
+            <a:ext cx="2791215" cy="1657581"/>
+          </a:xfrm>
+          <a:prstGeom prst="rect">
+            <a:avLst/>
+          </a:prstGeom>
+        </p:spPr>
+      </p:pic>
+    </p:spTree>
+    <p:extLst>
+      <p:ext uri="{BB962C8B-B14F-4D97-AF65-F5344CB8AC3E}">
+        <p14:creationId xmlns:p14="http://schemas.microsoft.com/office/powerpoint/2010/main" val="3644478469"/>
       </p:ext>
     </p:extLst>
   </p:cSld>

--- a/Py B - unit 2a.pptx
+++ b/Py B - unit 2a.pptx
@@ -312,7 +312,7 @@
   <pc:docChgLst>
     <pc:chgData name="Li Lixiang" userId="6104bbfcb56aea79" providerId="LiveId" clId="{3FDD4BF6-6783-4A39-AE51-992956F9868D}"/>
     <pc:docChg chg="custSel addSld delSld modSld">
-      <pc:chgData name="Li Lixiang" userId="6104bbfcb56aea79" providerId="LiveId" clId="{3FDD4BF6-6783-4A39-AE51-992956F9868D}" dt="2021-10-05T08:12:40.292" v="40" actId="1076"/>
+      <pc:chgData name="Li Lixiang" userId="6104bbfcb56aea79" providerId="LiveId" clId="{3FDD4BF6-6783-4A39-AE51-992956F9868D}" dt="2021-10-16T13:05:32.283" v="63" actId="20577"/>
       <pc:docMkLst>
         <pc:docMk/>
       </pc:docMkLst>
@@ -337,6 +337,21 @@
           <pc:docMk/>
           <pc:sldMk cId="1241975191" sldId="290"/>
         </pc:sldMkLst>
+      </pc:sldChg>
+      <pc:sldChg chg="modSp mod">
+        <pc:chgData name="Li Lixiang" userId="6104bbfcb56aea79" providerId="LiveId" clId="{3FDD4BF6-6783-4A39-AE51-992956F9868D}" dt="2021-10-16T13:05:32.283" v="63" actId="20577"/>
+        <pc:sldMkLst>
+          <pc:docMk/>
+          <pc:sldMk cId="2762807510" sldId="292"/>
+        </pc:sldMkLst>
+        <pc:spChg chg="mod">
+          <ac:chgData name="Li Lixiang" userId="6104bbfcb56aea79" providerId="LiveId" clId="{3FDD4BF6-6783-4A39-AE51-992956F9868D}" dt="2021-10-16T13:05:32.283" v="63" actId="20577"/>
+          <ac:spMkLst>
+            <pc:docMk/>
+            <pc:sldMk cId="2762807510" sldId="292"/>
+            <ac:spMk id="2" creationId="{D947D2DF-FCBF-47C3-9EC9-872096C568C7}"/>
+          </ac:spMkLst>
+        </pc:spChg>
       </pc:sldChg>
       <pc:sldChg chg="del">
         <pc:chgData name="Li Lixiang" userId="6104bbfcb56aea79" providerId="LiveId" clId="{3FDD4BF6-6783-4A39-AE51-992956F9868D}" dt="2021-10-05T08:04:10.014" v="38" actId="47"/>
@@ -1967,7 +1982,7 @@
             <a:fld id="{B61BEF0D-F0BB-DE4B-95CE-6DB70DBA9567}" type="datetimeFigureOut">
               <a:rPr lang="en-US" dirty="0"/>
               <a:pPr/>
-              <a:t>10/5/2021</a:t>
+              <a:t>10/16/2021</a:t>
             </a:fld>
             <a:endParaRPr lang="en-US" dirty="0"/>
           </a:p>
@@ -2298,7 +2313,7 @@
             <a:fld id="{B61BEF0D-F0BB-DE4B-95CE-6DB70DBA9567}" type="datetimeFigureOut">
               <a:rPr lang="en-US" dirty="0"/>
               <a:pPr/>
-              <a:t>10/5/2021</a:t>
+              <a:t>10/16/2021</a:t>
             </a:fld>
             <a:endParaRPr lang="en-US" dirty="0"/>
           </a:p>
@@ -2573,7 +2588,7 @@
             <a:fld id="{B61BEF0D-F0BB-DE4B-95CE-6DB70DBA9567}" type="datetimeFigureOut">
               <a:rPr lang="en-US" dirty="0"/>
               <a:pPr/>
-              <a:t>10/5/2021</a:t>
+              <a:t>10/16/2021</a:t>
             </a:fld>
             <a:endParaRPr lang="en-US" dirty="0"/>
           </a:p>
@@ -3138,7 +3153,7 @@
             <a:fld id="{B61BEF0D-F0BB-DE4B-95CE-6DB70DBA9567}" type="datetimeFigureOut">
               <a:rPr lang="en-US" dirty="0"/>
               <a:pPr/>
-              <a:t>10/5/2021</a:t>
+              <a:t>10/16/2021</a:t>
             </a:fld>
             <a:endParaRPr lang="en-US" dirty="0"/>
           </a:p>
@@ -3413,7 +3428,7 @@
             <a:fld id="{B61BEF0D-F0BB-DE4B-95CE-6DB70DBA9567}" type="datetimeFigureOut">
               <a:rPr lang="en-US" dirty="0"/>
               <a:pPr/>
-              <a:t>10/5/2021</a:t>
+              <a:t>10/16/2021</a:t>
             </a:fld>
             <a:endParaRPr lang="en-US" dirty="0"/>
           </a:p>
@@ -3972,7 +3987,7 @@
             <a:fld id="{B61BEF0D-F0BB-DE4B-95CE-6DB70DBA9567}" type="datetimeFigureOut">
               <a:rPr lang="en-US" dirty="0"/>
               <a:pPr/>
-              <a:t>10/5/2021</a:t>
+              <a:t>10/16/2021</a:t>
             </a:fld>
             <a:endParaRPr lang="en-US" dirty="0"/>
           </a:p>
@@ -4296,7 +4311,7 @@
             <a:fld id="{B61BEF0D-F0BB-DE4B-95CE-6DB70DBA9567}" type="datetimeFigureOut">
               <a:rPr lang="en-US" dirty="0"/>
               <a:pPr/>
-              <a:t>10/5/2021</a:t>
+              <a:t>10/16/2021</a:t>
             </a:fld>
             <a:endParaRPr lang="en-US" dirty="0"/>
           </a:p>
@@ -4470,7 +4485,7 @@
             <a:fld id="{B61BEF0D-F0BB-DE4B-95CE-6DB70DBA9567}" type="datetimeFigureOut">
               <a:rPr lang="en-US" dirty="0"/>
               <a:pPr/>
-              <a:t>10/5/2021</a:t>
+              <a:t>10/16/2021</a:t>
             </a:fld>
             <a:endParaRPr lang="en-US" dirty="0"/>
           </a:p>
@@ -4705,7 +4720,7 @@
             <a:fld id="{B61BEF0D-F0BB-DE4B-95CE-6DB70DBA9567}" type="datetimeFigureOut">
               <a:rPr lang="en-US" dirty="0"/>
               <a:pPr/>
-              <a:t>10/5/2021</a:t>
+              <a:t>10/16/2021</a:t>
             </a:fld>
             <a:endParaRPr lang="en-US" dirty="0"/>
           </a:p>
@@ -4902,7 +4917,7 @@
             <a:fld id="{B61BEF0D-F0BB-DE4B-95CE-6DB70DBA9567}" type="datetimeFigureOut">
               <a:rPr lang="en-US" dirty="0"/>
               <a:pPr/>
-              <a:t>10/5/2021</a:t>
+              <a:t>10/16/2021</a:t>
             </a:fld>
             <a:endParaRPr lang="en-US" dirty="0"/>
           </a:p>
@@ -5175,7 +5190,7 @@
             <a:fld id="{B61BEF0D-F0BB-DE4B-95CE-6DB70DBA9567}" type="datetimeFigureOut">
               <a:rPr lang="en-US" dirty="0"/>
               <a:pPr/>
-              <a:t>10/5/2021</a:t>
+              <a:t>10/16/2021</a:t>
             </a:fld>
             <a:endParaRPr lang="en-US" dirty="0"/>
           </a:p>
@@ -5438,7 +5453,7 @@
             <a:fld id="{B61BEF0D-F0BB-DE4B-95CE-6DB70DBA9567}" type="datetimeFigureOut">
               <a:rPr lang="en-US" dirty="0"/>
               <a:pPr/>
-              <a:t>10/5/2021</a:t>
+              <a:t>10/16/2021</a:t>
             </a:fld>
             <a:endParaRPr lang="en-US" dirty="0"/>
           </a:p>
@@ -5809,7 +5824,7 @@
             <a:fld id="{B61BEF0D-F0BB-DE4B-95CE-6DB70DBA9567}" type="datetimeFigureOut">
               <a:rPr lang="en-US" dirty="0"/>
               <a:pPr/>
-              <a:t>10/5/2021</a:t>
+              <a:t>10/16/2021</a:t>
             </a:fld>
             <a:endParaRPr lang="en-US" dirty="0"/>
           </a:p>
@@ -5954,7 +5969,7 @@
             <a:fld id="{B61BEF0D-F0BB-DE4B-95CE-6DB70DBA9567}" type="datetimeFigureOut">
               <a:rPr lang="en-US" dirty="0"/>
               <a:pPr/>
-              <a:t>10/5/2021</a:t>
+              <a:t>10/16/2021</a:t>
             </a:fld>
             <a:endParaRPr lang="en-US" dirty="0"/>
           </a:p>
@@ -6076,7 +6091,7 @@
             <a:fld id="{B61BEF0D-F0BB-DE4B-95CE-6DB70DBA9567}" type="datetimeFigureOut">
               <a:rPr lang="en-US" dirty="0"/>
               <a:pPr/>
-              <a:t>10/5/2021</a:t>
+              <a:t>10/16/2021</a:t>
             </a:fld>
             <a:endParaRPr lang="en-US" dirty="0"/>
           </a:p>
@@ -6358,7 +6373,7 @@
             <a:fld id="{B61BEF0D-F0BB-DE4B-95CE-6DB70DBA9567}" type="datetimeFigureOut">
               <a:rPr lang="en-US" dirty="0"/>
               <a:pPr/>
-              <a:t>10/5/2021</a:t>
+              <a:t>10/16/2021</a:t>
             </a:fld>
             <a:endParaRPr lang="en-US" dirty="0"/>
           </a:p>
@@ -6679,7 +6694,7 @@
             <a:fld id="{B61BEF0D-F0BB-DE4B-95CE-6DB70DBA9567}" type="datetimeFigureOut">
               <a:rPr lang="en-US" dirty="0"/>
               <a:pPr/>
-              <a:t>10/5/2021</a:t>
+              <a:t>10/16/2021</a:t>
             </a:fld>
             <a:endParaRPr lang="en-US" dirty="0"/>
           </a:p>
@@ -6890,7 +6905,7 @@
             <a:fld id="{B61BEF0D-F0BB-DE4B-95CE-6DB70DBA9567}" type="datetimeFigureOut">
               <a:rPr lang="en-US" dirty="0"/>
               <a:pPr/>
-              <a:t>10/5/2021</a:t>
+              <a:t>10/16/2021</a:t>
             </a:fld>
             <a:endParaRPr lang="en-US" dirty="0"/>
           </a:p>
@@ -7544,7 +7559,7 @@
           <a:p>
             <a:r>
               <a:rPr lang="en-US" dirty="0"/>
-              <a:t>Scope of identifiers</a:t>
+              <a:t>Scope of variable names</a:t>
             </a:r>
             <a:endParaRPr lang="en-MY" dirty="0"/>
           </a:p>
